--- a/01 Classes/Aulas 14 Reengenharia.pptx
+++ b/01 Classes/Aulas 14 Reengenharia.pptx
@@ -6918,6 +6918,114 @@
           </a:extLst>
         </p:spPr>
       </p:pic>
+      <p:sp>
+        <p:nvSpPr>
+          <p:cNvPr id="3" name="CaixaDeTexto 2">
+            <a:extLst>
+              <a:ext uri="{FF2B5EF4-FFF2-40B4-BE49-F238E27FC236}">
+                <a16:creationId xmlns:a16="http://schemas.microsoft.com/office/drawing/2014/main" id="{3E3D0079-19E4-EE6A-6AFC-68DAC8E833FD}"/>
+              </a:ext>
+            </a:extLst>
+          </p:cNvPr>
+          <p:cNvSpPr txBox="1"/>
+          <p:nvPr/>
+        </p:nvSpPr>
+        <p:spPr>
+          <a:xfrm>
+            <a:off x="3644900" y="989007"/>
+            <a:ext cx="4838700" cy="369332"/>
+          </a:xfrm>
+          <a:prstGeom prst="rect">
+            <a:avLst/>
+          </a:prstGeom>
+          <a:noFill/>
+          <a:ln w="12700" cap="flat">
+            <a:noFill/>
+            <a:miter lim="400000"/>
+          </a:ln>
+          <a:effectLst/>
+        </p:spPr>
+        <p:style>
+          <a:lnRef idx="0">
+            <a:scrgbClr r="0" g="0" b="0"/>
+          </a:lnRef>
+          <a:fillRef idx="0">
+            <a:scrgbClr r="0" g="0" b="0"/>
+          </a:fillRef>
+          <a:effectRef idx="0">
+            <a:scrgbClr r="0" g="0" b="0"/>
+          </a:effectRef>
+          <a:fontRef idx="none"/>
+        </p:style>
+        <p:txBody>
+          <a:bodyPr wrap="square">
+            <a:spAutoFit/>
+          </a:bodyPr>
+          <a:lstStyle/>
+          <a:p>
+            <a:r>
+              <a:rPr lang="pt-BR" b="1" i="0" dirty="0" err="1">
+                <a:solidFill>
+                  <a:srgbClr val="4D5156"/>
+                </a:solidFill>
+                <a:effectLst/>
+                <a:highlight>
+                  <a:srgbClr val="FFFFFF"/>
+                </a:highlight>
+                <a:latin typeface="Times New Roman" panose="02020603050405020304" pitchFamily="18" charset="0"/>
+                <a:cs typeface="Times New Roman" panose="02020603050405020304" pitchFamily="18" charset="0"/>
+              </a:rPr>
+              <a:t>Reegenharia</a:t>
+            </a:r>
+            <a:r>
+              <a:rPr lang="pt-BR" b="1" i="0" dirty="0">
+                <a:solidFill>
+                  <a:srgbClr val="4D5156"/>
+                </a:solidFill>
+                <a:effectLst/>
+                <a:highlight>
+                  <a:srgbClr val="FFFFFF"/>
+                </a:highlight>
+                <a:latin typeface="Times New Roman" panose="02020603050405020304" pitchFamily="18" charset="0"/>
+                <a:cs typeface="Times New Roman" panose="02020603050405020304" pitchFamily="18" charset="0"/>
+              </a:rPr>
+              <a:t> de Processo do Negócio (</a:t>
+            </a:r>
+            <a:r>
+              <a:rPr lang="pt-BR" b="1" i="0" dirty="0">
+                <a:solidFill>
+                  <a:srgbClr val="5F6368"/>
+                </a:solidFill>
+                <a:effectLst/>
+                <a:highlight>
+                  <a:srgbClr val="FFFFFF"/>
+                </a:highlight>
+                <a:latin typeface="Times New Roman" panose="02020603050405020304" pitchFamily="18" charset="0"/>
+                <a:cs typeface="Times New Roman" panose="02020603050405020304" pitchFamily="18" charset="0"/>
+              </a:rPr>
+              <a:t>BPR</a:t>
+            </a:r>
+            <a:r>
+              <a:rPr lang="pt-BR" b="1" i="0" dirty="0">
+                <a:solidFill>
+                  <a:srgbClr val="4D5156"/>
+                </a:solidFill>
+                <a:effectLst/>
+                <a:highlight>
+                  <a:srgbClr val="FFFFFF"/>
+                </a:highlight>
+                <a:latin typeface="Times New Roman" panose="02020603050405020304" pitchFamily="18" charset="0"/>
+                <a:cs typeface="Times New Roman" panose="02020603050405020304" pitchFamily="18" charset="0"/>
+              </a:rPr>
+              <a:t>) </a:t>
+            </a:r>
+            <a:endParaRPr lang="pt-BR" b="1" dirty="0">
+              <a:latin typeface="Times New Roman" panose="02020603050405020304" pitchFamily="18" charset="0"/>
+              <a:cs typeface="Times New Roman" panose="02020603050405020304" pitchFamily="18" charset="0"/>
+            </a:endParaRPr>
+          </a:p>
+        </p:txBody>
+      </p:sp>
     </p:spTree>
     <p:extLst>
       <p:ext uri="{BB962C8B-B14F-4D97-AF65-F5344CB8AC3E}">
@@ -7041,15 +7149,7 @@
             </a:r>
             <a:r>
               <a:rPr lang="pt-BR" sz="3200" dirty="0"/>
-              <a:t>O processo inverso à engenharia progressiva, caracterizado pelas atividades </a:t>
-            </a:r>
-            <a:r>
-              <a:rPr lang="pt-BR" sz="3200" dirty="0" err="1"/>
-              <a:t>retro-ativas</a:t>
-            </a:r>
-            <a:r>
-              <a:rPr lang="pt-BR" sz="3200" dirty="0"/>
-              <a:t> do ciclo de vida, que partem de um baixo nível de abstração para um alto nível de abstração  </a:t>
+              <a:t>O processo inverso à engenharia progressiva, caracterizado pelas atividades retroativas do ciclo de vida, que partem de um baixo nível de abstração para um alto nível de abstração  </a:t>
             </a:r>
             <a:r>
               <a:rPr lang="pt-BR" sz="3200" b="1" dirty="0">
